--- a/kodgeneralas/figures/figs.pptx
+++ b/kodgeneralas/figures/figs.pptx
@@ -280,7 +280,7 @@
           <a:p>
             <a:fld id="{5A167AB1-184B-4C2C-AA72-82A3E3DB2486}" type="datetimeFigureOut">
               <a:rPr lang="en-US" smtClean="0"/>
-              <a:t>5/12/2016</a:t>
+              <a:t>5/17/2016</a:t>
             </a:fld>
             <a:endParaRPr lang="en-US"/>
           </a:p>
@@ -446,7 +446,7 @@
             <a:fld id="{B9130191-0BE1-0142-AFC1-0297AE024A0E}" type="datetimeFigureOut">
               <a:rPr lang="en-US" smtClean="0"/>
               <a:pPr/>
-              <a:t>5/12/2016</a:t>
+              <a:t>5/17/2016</a:t>
             </a:fld>
             <a:endParaRPr lang="en-US"/>
           </a:p>
@@ -9937,19 +9937,14 @@
         <p:spPr>
           <a:xfrm>
             <a:off x="4902995" y="1706880"/>
-            <a:ext cx="3604260" cy="1065213"/>
+            <a:ext cx="3604260" cy="2207895"/>
           </a:xfrm>
           <a:prstGeom prst="roundRect">
             <a:avLst>
               <a:gd name="adj" fmla="val 6716"/>
             </a:avLst>
           </a:prstGeom>
-          <a:solidFill>
-            <a:schemeClr val="accent6">
-              <a:lumMod val="20000"/>
-              <a:lumOff val="80000"/>
-            </a:schemeClr>
-          </a:solidFill>
+          <a:noFill/>
           <a:ln/>
         </p:spPr>
         <p:style>
@@ -10003,19 +9998,14 @@
         <p:spPr>
           <a:xfrm>
             <a:off x="38100" y="1706880"/>
-            <a:ext cx="3246120" cy="1065213"/>
+            <a:ext cx="3246120" cy="2207895"/>
           </a:xfrm>
           <a:prstGeom prst="roundRect">
             <a:avLst>
               <a:gd name="adj" fmla="val 6716"/>
             </a:avLst>
           </a:prstGeom>
-          <a:solidFill>
-            <a:schemeClr val="accent6">
-              <a:lumMod val="20000"/>
-              <a:lumOff val="80000"/>
-            </a:schemeClr>
-          </a:solidFill>
+          <a:noFill/>
           <a:ln/>
         </p:spPr>
         <p:style>
@@ -10078,6 +10068,7 @@
             <a:solidFill>
               <a:schemeClr val="tx1"/>
             </a:solidFill>
+            <a:prstDash val="sysDash"/>
             <a:headEnd type="none" w="med" len="med"/>
             <a:tailEnd type="arrow" w="med" len="med"/>
           </a:ln>
@@ -10146,6 +10137,7 @@
             <a:solidFill>
               <a:schemeClr val="tx1"/>
             </a:solidFill>
+            <a:prstDash val="sysDash"/>
             <a:headEnd type="none" w="med" len="med"/>
             <a:tailEnd type="arrow" w="med" len="med"/>
           </a:ln>
@@ -10539,8 +10531,8 @@
         </p:nvSpPr>
         <p:spPr>
           <a:xfrm>
-            <a:off x="38100" y="2121057"/>
-            <a:ext cx="1174347" cy="646331"/>
+            <a:off x="-57152" y="2121057"/>
+            <a:ext cx="1282564" cy="646331"/>
           </a:xfrm>
           <a:prstGeom prst="rect">
             <a:avLst/>
@@ -10556,7 +10548,11 @@
             <a:pPr algn="ctr"/>
             <a:r>
               <a:rPr lang="hu-HU" dirty="0" smtClean="0"/>
-              <a:t>Olvasás,</a:t>
+              <a:t>Lekérdezés</a:t>
+            </a:r>
+            <a:r>
+              <a:rPr lang="hu-HU" dirty="0" smtClean="0"/>
+              <a:t/>
             </a:r>
             <a:br>
               <a:rPr lang="hu-HU" dirty="0" smtClean="0"/>
@@ -10594,7 +10590,11 @@
             <a:pPr algn="ctr"/>
             <a:r>
               <a:rPr lang="hu-HU" dirty="0" smtClean="0"/>
-              <a:t>Megjelenítés,</a:t>
+              <a:t>Megjelenítés</a:t>
+            </a:r>
+            <a:r>
+              <a:rPr lang="hu-HU" dirty="0" smtClean="0"/>
+              <a:t/>
             </a:r>
             <a:br>
               <a:rPr lang="hu-HU" dirty="0" smtClean="0"/>
@@ -10708,6 +10708,275 @@
                 <a:schemeClr val="tx1"/>
               </a:solidFill>
             </a:endParaRPr>
+          </a:p>
+        </p:txBody>
+      </p:sp>
+      <p:pic>
+        <p:nvPicPr>
+          <p:cNvPr id="6" name="Picture 5"/>
+          <p:cNvPicPr>
+            <a:picLocks noChangeAspect="1"/>
+          </p:cNvPicPr>
+          <p:nvPr/>
+        </p:nvPicPr>
+        <p:blipFill>
+          <a:blip r:embed="rId2">
+            <a:lum contrast="43000"/>
+            <a:extLst>
+              <a:ext uri="{28A0092B-C50C-407E-A947-70E740481C1C}">
+                <a14:useLocalDpi xmlns:a14="http://schemas.microsoft.com/office/drawing/2010/main" val="0"/>
+              </a:ext>
+            </a:extLst>
+          </a:blip>
+          <a:stretch>
+            <a:fillRect/>
+          </a:stretch>
+        </p:blipFill>
+        <p:spPr>
+          <a:xfrm rot="5400000">
+            <a:off x="367667" y="2617694"/>
+            <a:ext cx="978871" cy="1395413"/>
+          </a:xfrm>
+          <a:prstGeom prst="rect">
+            <a:avLst/>
+          </a:prstGeom>
+        </p:spPr>
+      </p:pic>
+      <p:cxnSp>
+        <p:nvCxnSpPr>
+          <p:cNvPr id="22" name="Elbow Connector 21"/>
+          <p:cNvCxnSpPr>
+            <a:stCxn id="4" idx="2"/>
+            <a:endCxn id="6" idx="0"/>
+          </p:cNvCxnSpPr>
+          <p:nvPr/>
+        </p:nvCxnSpPr>
+        <p:spPr>
+          <a:xfrm rot="5400000">
+            <a:off x="1545722" y="2666562"/>
+            <a:ext cx="657927" cy="639751"/>
+          </a:xfrm>
+          <a:prstGeom prst="bentConnector2">
+            <a:avLst/>
+          </a:prstGeom>
+          <a:ln w="28575">
+            <a:solidFill>
+              <a:schemeClr val="tx1"/>
+            </a:solidFill>
+            <a:headEnd type="none" w="med" len="med"/>
+            <a:tailEnd type="arrow" w="med" len="med"/>
+          </a:ln>
+        </p:spPr>
+        <p:style>
+          <a:lnRef idx="1">
+            <a:schemeClr val="accent1"/>
+          </a:lnRef>
+          <a:fillRef idx="0">
+            <a:schemeClr val="accent1"/>
+          </a:fillRef>
+          <a:effectRef idx="0">
+            <a:schemeClr val="accent1"/>
+          </a:effectRef>
+          <a:fontRef idx="minor">
+            <a:schemeClr val="tx1"/>
+          </a:fontRef>
+        </p:style>
+      </p:cxnSp>
+      <p:sp>
+        <p:nvSpPr>
+          <p:cNvPr id="32" name="TextBox 31"/>
+          <p:cNvSpPr txBox="1"/>
+          <p:nvPr/>
+        </p:nvSpPr>
+        <p:spPr>
+          <a:xfrm>
+            <a:off x="1498433" y="3300073"/>
+            <a:ext cx="1667418" cy="369332"/>
+          </a:xfrm>
+          <a:prstGeom prst="rect">
+            <a:avLst/>
+          </a:prstGeom>
+          <a:noFill/>
+        </p:spPr>
+        <p:txBody>
+          <a:bodyPr wrap="square" rtlCol="0">
+            <a:spAutoFit/>
+          </a:bodyPr>
+          <a:lstStyle/>
+          <a:p>
+            <a:pPr algn="ctr"/>
+            <a:r>
+              <a:rPr lang="hu-HU" dirty="0" smtClean="0"/>
+              <a:t>Transzformáció</a:t>
+            </a:r>
+            <a:endParaRPr lang="en-US" dirty="0"/>
+          </a:p>
+        </p:txBody>
+      </p:sp>
+      <p:pic>
+        <p:nvPicPr>
+          <p:cNvPr id="12" name="Picture 11"/>
+          <p:cNvPicPr>
+            <a:picLocks noChangeAspect="1"/>
+          </p:cNvPicPr>
+          <p:nvPr/>
+        </p:nvPicPr>
+        <p:blipFill>
+          <a:blip r:embed="rId3">
+            <a:extLst>
+              <a:ext uri="{28A0092B-C50C-407E-A947-70E740481C1C}">
+                <a14:useLocalDpi xmlns:a14="http://schemas.microsoft.com/office/drawing/2010/main" val="0"/>
+              </a:ext>
+            </a:extLst>
+          </a:blip>
+          <a:stretch>
+            <a:fillRect/>
+          </a:stretch>
+        </p:blipFill>
+        <p:spPr>
+          <a:xfrm>
+            <a:off x="5174389" y="2777128"/>
+            <a:ext cx="911614" cy="911614"/>
+          </a:xfrm>
+          <a:prstGeom prst="rect">
+            <a:avLst/>
+          </a:prstGeom>
+        </p:spPr>
+      </p:pic>
+      <p:cxnSp>
+        <p:nvCxnSpPr>
+          <p:cNvPr id="33" name="Elbow Connector 32"/>
+          <p:cNvCxnSpPr/>
+          <p:nvPr/>
+        </p:nvCxnSpPr>
+        <p:spPr>
+          <a:xfrm rot="5400000">
+            <a:off x="6089685" y="2633317"/>
+            <a:ext cx="657927" cy="639751"/>
+          </a:xfrm>
+          <a:prstGeom prst="bentConnector2">
+            <a:avLst/>
+          </a:prstGeom>
+          <a:ln w="28575">
+            <a:solidFill>
+              <a:schemeClr val="tx1"/>
+            </a:solidFill>
+            <a:headEnd type="none" w="med" len="med"/>
+            <a:tailEnd type="arrow" w="med" len="med"/>
+          </a:ln>
+        </p:spPr>
+        <p:style>
+          <a:lnRef idx="1">
+            <a:schemeClr val="accent1"/>
+          </a:lnRef>
+          <a:fillRef idx="0">
+            <a:schemeClr val="accent1"/>
+          </a:fillRef>
+          <a:effectRef idx="0">
+            <a:schemeClr val="accent1"/>
+          </a:effectRef>
+          <a:fontRef idx="minor">
+            <a:schemeClr val="tx1"/>
+          </a:fontRef>
+        </p:style>
+      </p:cxnSp>
+      <p:sp>
+        <p:nvSpPr>
+          <p:cNvPr id="34" name="TextBox 33"/>
+          <p:cNvSpPr txBox="1"/>
+          <p:nvPr/>
+        </p:nvSpPr>
+        <p:spPr>
+          <a:xfrm>
+            <a:off x="6037106" y="3295308"/>
+            <a:ext cx="2135343" cy="369332"/>
+          </a:xfrm>
+          <a:prstGeom prst="rect">
+            <a:avLst/>
+          </a:prstGeom>
+          <a:noFill/>
+        </p:spPr>
+        <p:txBody>
+          <a:bodyPr wrap="square" rtlCol="0">
+            <a:spAutoFit/>
+          </a:bodyPr>
+          <a:lstStyle/>
+          <a:p>
+            <a:pPr algn="ctr"/>
+            <a:r>
+              <a:rPr lang="hu-HU" dirty="0" smtClean="0"/>
+              <a:t>Modellezési művelet</a:t>
+            </a:r>
+            <a:endParaRPr lang="en-US" dirty="0"/>
+          </a:p>
+        </p:txBody>
+      </p:sp>
+      <p:cxnSp>
+        <p:nvCxnSpPr>
+          <p:cNvPr id="35" name="Straight Arrow Connector 34"/>
+          <p:cNvCxnSpPr/>
+          <p:nvPr/>
+        </p:nvCxnSpPr>
+        <p:spPr>
+          <a:xfrm flipH="1">
+            <a:off x="2428875" y="3274696"/>
+            <a:ext cx="2709836" cy="0"/>
+          </a:xfrm>
+          <a:prstGeom prst="straightConnector1">
+            <a:avLst/>
+          </a:prstGeom>
+          <a:ln w="28575">
+            <a:solidFill>
+              <a:schemeClr val="tx1"/>
+            </a:solidFill>
+            <a:prstDash val="sysDash"/>
+            <a:headEnd type="none" w="med" len="med"/>
+            <a:tailEnd type="arrow" w="med" len="med"/>
+          </a:ln>
+        </p:spPr>
+        <p:style>
+          <a:lnRef idx="1">
+            <a:schemeClr val="accent1"/>
+          </a:lnRef>
+          <a:fillRef idx="0">
+            <a:schemeClr val="accent1"/>
+          </a:fillRef>
+          <a:effectRef idx="0">
+            <a:schemeClr val="accent1"/>
+          </a:effectRef>
+          <a:fontRef idx="minor">
+            <a:schemeClr val="tx1"/>
+          </a:fontRef>
+        </p:style>
+      </p:cxnSp>
+      <p:sp>
+        <p:nvSpPr>
+          <p:cNvPr id="36" name="TextBox 35"/>
+          <p:cNvSpPr txBox="1"/>
+          <p:nvPr/>
+        </p:nvSpPr>
+        <p:spPr>
+          <a:xfrm>
+            <a:off x="3037931" y="3282156"/>
+            <a:ext cx="2143124" cy="369332"/>
+          </a:xfrm>
+          <a:prstGeom prst="rect">
+            <a:avLst/>
+          </a:prstGeom>
+          <a:noFill/>
+        </p:spPr>
+        <p:txBody>
+          <a:bodyPr wrap="square" rtlCol="0">
+            <a:spAutoFit/>
+          </a:bodyPr>
+          <a:lstStyle/>
+          <a:p>
+            <a:pPr algn="ctr"/>
+            <a:r>
+              <a:rPr lang="hu-HU" dirty="0" smtClean="0"/>
+              <a:t>Visszavezetés</a:t>
+            </a:r>
+            <a:endParaRPr lang="en-US" dirty="0"/>
           </a:p>
         </p:txBody>
       </p:sp>
@@ -34508,29 +34777,6 @@
 </file>
 
 <file path=customXml/item1.xml><?xml version="1.0" encoding="utf-8"?>
-<?mso-contentType ?>
-<FormTemplates xmlns="http://schemas.microsoft.com/sharepoint/v3/contenttype/forms">
-  <Display>DocumentLibraryForm</Display>
-  <Edit>DocumentLibraryForm</Edit>
-  <New>DocumentLibraryForm</New>
-</FormTemplates>
-</file>
-
-<file path=customXml/item2.xml><?xml version="1.0" encoding="utf-8"?>
-<p:properties xmlns:p="http://schemas.microsoft.com/office/2006/metadata/properties" xmlns:xsi="http://www.w3.org/2001/XMLSchema-instance" xmlns:pc="http://schemas.microsoft.com/office/infopath/2007/PartnerControls">
-  <documentManagement>
-    <SharedWithUsers xmlns="2eb6c535-44d4-490a-8182-15aec305059b">
-      <UserInfo>
-        <DisplayName>Szárnyas Gábor</DisplayName>
-        <AccountId>8</AccountId>
-        <AccountType/>
-      </UserInfo>
-    </SharedWithUsers>
-  </documentManagement>
-</p:properties>
-</file>
-
-<file path=customXml/item3.xml><?xml version="1.0" encoding="utf-8"?>
 <ct:contentTypeSchema xmlns:ct="http://schemas.microsoft.com/office/2006/metadata/contentType" xmlns:ma="http://schemas.microsoft.com/office/2006/metadata/properties/metaAttributes" ct:_="" ma:_="" ma:contentTypeName="Dokumentum" ma:contentTypeID="0x010100B0027FEC0C837A4D868C9AF6453E05A7" ma:contentTypeVersion="1" ma:contentTypeDescription="Új dokumentum létrehozása." ma:contentTypeScope="" ma:versionID="bb054bf4d4d4c6ea1976aa0400bdec43">
   <xsd:schema xmlns:xsd="http://www.w3.org/2001/XMLSchema" xmlns:xs="http://www.w3.org/2001/XMLSchema" xmlns:p="http://schemas.microsoft.com/office/2006/metadata/properties" xmlns:ns3="2eb6c535-44d4-490a-8182-15aec305059b" targetNamespace="http://schemas.microsoft.com/office/2006/metadata/properties" ma:root="true" ma:fieldsID="7090964ef028684b72d09f0cc2a274c0" ns3:_="">
     <xsd:import namespace="2eb6c535-44d4-490a-8182-15aec305059b"/>
@@ -34670,10 +34916,43 @@
 </ct:contentTypeSchema>
 </file>
 
+<file path=customXml/item2.xml><?xml version="1.0" encoding="utf-8"?>
+<p:properties xmlns:p="http://schemas.microsoft.com/office/2006/metadata/properties" xmlns:xsi="http://www.w3.org/2001/XMLSchema-instance" xmlns:pc="http://schemas.microsoft.com/office/infopath/2007/PartnerControls">
+  <documentManagement>
+    <SharedWithUsers xmlns="2eb6c535-44d4-490a-8182-15aec305059b">
+      <UserInfo>
+        <DisplayName>Szárnyas Gábor</DisplayName>
+        <AccountId>8</AccountId>
+        <AccountType/>
+      </UserInfo>
+    </SharedWithUsers>
+  </documentManagement>
+</p:properties>
+</file>
+
+<file path=customXml/item3.xml><?xml version="1.0" encoding="utf-8"?>
+<?mso-contentType ?>
+<FormTemplates xmlns="http://schemas.microsoft.com/sharepoint/v3/contenttype/forms">
+  <Display>DocumentLibraryForm</Display>
+  <Edit>DocumentLibraryForm</Edit>
+  <New>DocumentLibraryForm</New>
+</FormTemplates>
+</file>
+
 <file path=customXml/itemProps1.xml><?xml version="1.0" encoding="utf-8"?>
-<ds:datastoreItem xmlns:ds="http://schemas.openxmlformats.org/officeDocument/2006/customXml" ds:itemID="{1682ADD0-ED2B-4014-9CBE-B63DD7E9C700}">
+<ds:datastoreItem xmlns:ds="http://schemas.openxmlformats.org/officeDocument/2006/customXml" ds:itemID="{E9E2F796-D1C6-4F0B-BA87-17A06797D5C6}">
   <ds:schemaRefs>
-    <ds:schemaRef ds:uri="http://schemas.microsoft.com/sharepoint/v3/contenttype/forms"/>
+    <ds:schemaRef ds:uri="http://schemas.microsoft.com/office/2006/metadata/contentType"/>
+    <ds:schemaRef ds:uri="http://schemas.microsoft.com/office/2006/metadata/properties/metaAttributes"/>
+    <ds:schemaRef ds:uri="http://www.w3.org/2001/XMLSchema"/>
+    <ds:schemaRef ds:uri="http://schemas.microsoft.com/office/2006/metadata/properties"/>
+    <ds:schemaRef ds:uri="2eb6c535-44d4-490a-8182-15aec305059b"/>
+    <ds:schemaRef ds:uri="http://schemas.microsoft.com/office/2006/documentManagement/types"/>
+    <ds:schemaRef ds:uri="http://schemas.microsoft.com/office/infopath/2007/PartnerControls"/>
+    <ds:schemaRef ds:uri="http://schemas.openxmlformats.org/package/2006/metadata/core-properties"/>
+    <ds:schemaRef ds:uri="http://purl.org/dc/elements/1.1/"/>
+    <ds:schemaRef ds:uri="http://purl.org/dc/terms/"/>
+    <ds:schemaRef ds:uri="http://schemas.microsoft.com/internal/obd"/>
   </ds:schemaRefs>
 </ds:datastoreItem>
 </file>
@@ -34695,19 +34974,9 @@
 </file>
 
 <file path=customXml/itemProps3.xml><?xml version="1.0" encoding="utf-8"?>
-<ds:datastoreItem xmlns:ds="http://schemas.openxmlformats.org/officeDocument/2006/customXml" ds:itemID="{E9E2F796-D1C6-4F0B-BA87-17A06797D5C6}">
+<ds:datastoreItem xmlns:ds="http://schemas.openxmlformats.org/officeDocument/2006/customXml" ds:itemID="{1682ADD0-ED2B-4014-9CBE-B63DD7E9C700}">
   <ds:schemaRefs>
-    <ds:schemaRef ds:uri="http://schemas.microsoft.com/office/2006/metadata/contentType"/>
-    <ds:schemaRef ds:uri="http://schemas.microsoft.com/office/2006/metadata/properties/metaAttributes"/>
-    <ds:schemaRef ds:uri="http://www.w3.org/2001/XMLSchema"/>
-    <ds:schemaRef ds:uri="http://schemas.microsoft.com/office/2006/metadata/properties"/>
-    <ds:schemaRef ds:uri="2eb6c535-44d4-490a-8182-15aec305059b"/>
-    <ds:schemaRef ds:uri="http://schemas.microsoft.com/office/2006/documentManagement/types"/>
-    <ds:schemaRef ds:uri="http://schemas.microsoft.com/office/infopath/2007/PartnerControls"/>
-    <ds:schemaRef ds:uri="http://schemas.openxmlformats.org/package/2006/metadata/core-properties"/>
-    <ds:schemaRef ds:uri="http://purl.org/dc/elements/1.1/"/>
-    <ds:schemaRef ds:uri="http://purl.org/dc/terms/"/>
-    <ds:schemaRef ds:uri="http://schemas.microsoft.com/internal/obd"/>
+    <ds:schemaRef ds:uri="http://schemas.microsoft.com/sharepoint/v3/contenttype/forms"/>
   </ds:schemaRefs>
 </ds:datastoreItem>
 </file>
--- a/kodgeneralas/figures/figs.pptx
+++ b/kodgeneralas/figures/figs.pptx
@@ -280,7 +280,7 @@
           <a:p>
             <a:fld id="{5A167AB1-184B-4C2C-AA72-82A3E3DB2486}" type="datetimeFigureOut">
               <a:rPr lang="en-US" smtClean="0"/>
-              <a:t>5/17/2016</a:t>
+              <a:t>5/21/2016</a:t>
             </a:fld>
             <a:endParaRPr lang="en-US"/>
           </a:p>
@@ -446,7 +446,7 @@
             <a:fld id="{B9130191-0BE1-0142-AFC1-0297AE024A0E}" type="datetimeFigureOut">
               <a:rPr lang="en-US" smtClean="0"/>
               <a:pPr/>
-              <a:t>5/17/2016</a:t>
+              <a:t>5/21/2016</a:t>
             </a:fld>
             <a:endParaRPr lang="en-US"/>
           </a:p>
@@ -10550,10 +10550,6 @@
               <a:rPr lang="hu-HU" dirty="0" smtClean="0"/>
               <a:t>Lekérdezés</a:t>
             </a:r>
-            <a:r>
-              <a:rPr lang="hu-HU" dirty="0" smtClean="0"/>
-              <a:t/>
-            </a:r>
             <a:br>
               <a:rPr lang="hu-HU" dirty="0" smtClean="0"/>
             </a:br>
@@ -10591,10 +10587,6 @@
             <a:r>
               <a:rPr lang="hu-HU" dirty="0" smtClean="0"/>
               <a:t>Megjelenítés</a:t>
-            </a:r>
-            <a:r>
-              <a:rPr lang="hu-HU" dirty="0" smtClean="0"/>
-              <a:t/>
             </a:r>
             <a:br>
               <a:rPr lang="hu-HU" dirty="0" smtClean="0"/>
@@ -18611,7 +18603,7 @@
         </p:nvSpPr>
         <p:spPr>
           <a:xfrm>
-            <a:off x="6697822" y="1447378"/>
+            <a:off x="6408806" y="509613"/>
             <a:ext cx="195263" cy="198438"/>
           </a:xfrm>
           <a:prstGeom prst="rect">
@@ -18667,7 +18659,7 @@
         </p:blipFill>
         <p:spPr>
           <a:xfrm>
-            <a:off x="2352667" y="1683765"/>
+            <a:off x="2239245" y="751781"/>
             <a:ext cx="2800000" cy="1257143"/>
           </a:xfrm>
           <a:prstGeom prst="rect">
@@ -18683,7 +18675,7 @@
         </p:nvSpPr>
         <p:spPr>
           <a:xfrm>
-            <a:off x="702506" y="1712173"/>
+            <a:off x="589084" y="780189"/>
             <a:ext cx="1474568" cy="1200329"/>
           </a:xfrm>
           <a:prstGeom prst="rect">
@@ -18799,7 +18791,7 @@
         </p:blipFill>
         <p:spPr>
           <a:xfrm>
-            <a:off x="5328260" y="1566139"/>
+            <a:off x="5039244" y="628374"/>
             <a:ext cx="2947354" cy="1613342"/>
           </a:xfrm>
           <a:prstGeom prst="rect">
@@ -18815,7 +18807,7 @@
         </p:nvSpPr>
         <p:spPr>
           <a:xfrm>
-            <a:off x="702507" y="1209960"/>
+            <a:off x="589085" y="277976"/>
             <a:ext cx="1474568" cy="400110"/>
           </a:xfrm>
           <a:prstGeom prst="rect">
@@ -18846,7 +18838,7 @@
         </p:nvSpPr>
         <p:spPr>
           <a:xfrm>
-            <a:off x="2352667" y="1209960"/>
+            <a:off x="2239245" y="277976"/>
             <a:ext cx="2799999" cy="400110"/>
           </a:xfrm>
           <a:prstGeom prst="rect">
@@ -18877,7 +18869,7 @@
         </p:nvSpPr>
         <p:spPr>
           <a:xfrm>
-            <a:off x="5334578" y="1215741"/>
+            <a:off x="5045562" y="277976"/>
             <a:ext cx="2941036" cy="707886"/>
           </a:xfrm>
           <a:prstGeom prst="rect">
@@ -18903,6 +18895,33 @@
           </a:p>
         </p:txBody>
       </p:sp>
+      <p:pic>
+        <p:nvPicPr>
+          <p:cNvPr id="9" name="Kép 8"/>
+          <p:cNvPicPr>
+            <a:picLocks noChangeAspect="1"/>
+          </p:cNvPicPr>
+          <p:nvPr/>
+        </p:nvPicPr>
+        <p:blipFill>
+          <a:blip r:embed="rId4"/>
+          <a:stretch>
+            <a:fillRect/>
+          </a:stretch>
+        </p:blipFill>
+        <p:spPr>
+          <a:xfrm>
+            <a:off x="2778368" y="3992772"/>
+            <a:ext cx="5943600" cy="581025"/>
+          </a:xfrm>
+          <a:prstGeom prst="rect">
+            <a:avLst/>
+          </a:prstGeom>
+          <a:ln>
+            <a:noFill/>
+          </a:ln>
+        </p:spPr>
+      </p:pic>
     </p:spTree>
     <p:extLst>
       <p:ext uri="{BB962C8B-B14F-4D97-AF65-F5344CB8AC3E}">
@@ -18916,7 +18935,75 @@
   <p:timing>
     <p:tnLst>
       <p:par>
-        <p:cTn id="1" dur="indefinite" restart="never" nodeType="tmRoot"/>
+        <p:cTn id="1" dur="indefinite" restart="never" nodeType="tmRoot">
+          <p:childTnLst>
+            <p:seq concurrent="1" nextAc="seek">
+              <p:cTn id="2" dur="indefinite" nodeType="mainSeq">
+                <p:childTnLst>
+                  <p:par>
+                    <p:cTn id="3" fill="hold">
+                      <p:stCondLst>
+                        <p:cond delay="indefinite"/>
+                      </p:stCondLst>
+                      <p:childTnLst>
+                        <p:par>
+                          <p:cTn id="4" fill="hold">
+                            <p:stCondLst>
+                              <p:cond delay="0"/>
+                            </p:stCondLst>
+                            <p:childTnLst>
+                              <p:par>
+                                <p:cTn id="5" presetID="1" presetClass="entr" presetSubtype="0" fill="hold" nodeType="clickEffect">
+                                  <p:stCondLst>
+                                    <p:cond delay="0"/>
+                                  </p:stCondLst>
+                                  <p:childTnLst>
+                                    <p:set>
+                                      <p:cBhvr>
+                                        <p:cTn id="6" dur="1" fill="hold">
+                                          <p:stCondLst>
+                                            <p:cond delay="0"/>
+                                          </p:stCondLst>
+                                        </p:cTn>
+                                        <p:tgtEl>
+                                          <p:spTgt spid="9"/>
+                                        </p:tgtEl>
+                                        <p:attrNameLst>
+                                          <p:attrName>style.visibility</p:attrName>
+                                        </p:attrNameLst>
+                                      </p:cBhvr>
+                                      <p:to>
+                                        <p:strVal val="visible"/>
+                                      </p:to>
+                                    </p:set>
+                                  </p:childTnLst>
+                                </p:cTn>
+                              </p:par>
+                            </p:childTnLst>
+                          </p:cTn>
+                        </p:par>
+                      </p:childTnLst>
+                    </p:cTn>
+                  </p:par>
+                </p:childTnLst>
+              </p:cTn>
+              <p:prevCondLst>
+                <p:cond evt="onPrev" delay="0">
+                  <p:tgtEl>
+                    <p:sldTgt/>
+                  </p:tgtEl>
+                </p:cond>
+              </p:prevCondLst>
+              <p:nextCondLst>
+                <p:cond evt="onNext" delay="0">
+                  <p:tgtEl>
+                    <p:sldTgt/>
+                  </p:tgtEl>
+                </p:cond>
+              </p:nextCondLst>
+            </p:seq>
+          </p:childTnLst>
+        </p:cTn>
       </p:par>
     </p:tnLst>
   </p:timing>
@@ -31086,35 +31173,6 @@
           </p:txBody>
         </p:sp>
       </p:grpSp>
-      <p:pic>
-        <p:nvPicPr>
-          <p:cNvPr id="9" name="Kép 8"/>
-          <p:cNvPicPr>
-            <a:picLocks noChangeAspect="1"/>
-          </p:cNvPicPr>
-          <p:nvPr/>
-        </p:nvPicPr>
-        <p:blipFill>
-          <a:blip r:embed="rId4"/>
-          <a:stretch>
-            <a:fillRect/>
-          </a:stretch>
-        </p:blipFill>
-        <p:spPr>
-          <a:xfrm>
-            <a:off x="-740" y="3843301"/>
-            <a:ext cx="9144740" cy="893957"/>
-          </a:xfrm>
-          <a:prstGeom prst="rect">
-            <a:avLst/>
-          </a:prstGeom>
-          <a:ln>
-            <a:solidFill>
-              <a:schemeClr val="accent1"/>
-            </a:solidFill>
-          </a:ln>
-        </p:spPr>
-      </p:pic>
       <p:sp>
         <p:nvSpPr>
           <p:cNvPr id="23" name="Téglalapbuborék 22"/>
@@ -31301,6 +31359,9 @@
                     <p:cTn id="3" fill="hold">
                       <p:stCondLst>
                         <p:cond delay="indefinite"/>
+                        <p:cond evt="onBegin" delay="0">
+                          <p:tn val="2"/>
+                        </p:cond>
                       </p:stCondLst>
                       <p:childTnLst>
                         <p:par>
@@ -31310,7 +31371,7 @@
                             </p:stCondLst>
                             <p:childTnLst>
                               <p:par>
-                                <p:cTn id="5" presetID="1" presetClass="entr" presetSubtype="0" fill="hold" nodeType="clickEffect">
+                                <p:cTn id="5" presetID="1" presetClass="entr" presetSubtype="0" fill="hold" grpId="0" nodeType="withEffect">
                                   <p:stCondLst>
                                     <p:cond delay="0"/>
                                   </p:stCondLst>
@@ -31318,33 +31379,6 @@
                                     <p:set>
                                       <p:cBhvr>
                                         <p:cTn id="6" dur="1" fill="hold">
-                                          <p:stCondLst>
-                                            <p:cond delay="0"/>
-                                          </p:stCondLst>
-                                        </p:cTn>
-                                        <p:tgtEl>
-                                          <p:spTgt spid="9"/>
-                                        </p:tgtEl>
-                                        <p:attrNameLst>
-                                          <p:attrName>style.visibility</p:attrName>
-                                        </p:attrNameLst>
-                                      </p:cBhvr>
-                                      <p:to>
-                                        <p:strVal val="visible"/>
-                                      </p:to>
-                                    </p:set>
-                                  </p:childTnLst>
-                                </p:cTn>
-                              </p:par>
-                              <p:par>
-                                <p:cTn id="7" presetID="1" presetClass="entr" presetSubtype="0" fill="hold" grpId="0" nodeType="withEffect">
-                                  <p:stCondLst>
-                                    <p:cond delay="0"/>
-                                  </p:stCondLst>
-                                  <p:childTnLst>
-                                    <p:set>
-                                      <p:cBhvr>
-                                        <p:cTn id="8" dur="1" fill="hold">
                                           <p:stCondLst>
                                             <p:cond delay="0"/>
                                           </p:stCondLst>
@@ -34917,6 +34951,15 @@
 </file>
 
 <file path=customXml/item2.xml><?xml version="1.0" encoding="utf-8"?>
+<?mso-contentType ?>
+<FormTemplates xmlns="http://schemas.microsoft.com/sharepoint/v3/contenttype/forms">
+  <Display>DocumentLibraryForm</Display>
+  <Edit>DocumentLibraryForm</Edit>
+  <New>DocumentLibraryForm</New>
+</FormTemplates>
+</file>
+
+<file path=customXml/item3.xml><?xml version="1.0" encoding="utf-8"?>
 <p:properties xmlns:p="http://schemas.microsoft.com/office/2006/metadata/properties" xmlns:xsi="http://www.w3.org/2001/XMLSchema-instance" xmlns:pc="http://schemas.microsoft.com/office/infopath/2007/PartnerControls">
   <documentManagement>
     <SharedWithUsers xmlns="2eb6c535-44d4-490a-8182-15aec305059b">
@@ -34928,15 +34971,6 @@
     </SharedWithUsers>
   </documentManagement>
 </p:properties>
-</file>
-
-<file path=customXml/item3.xml><?xml version="1.0" encoding="utf-8"?>
-<?mso-contentType ?>
-<FormTemplates xmlns="http://schemas.microsoft.com/sharepoint/v3/contenttype/forms">
-  <Display>DocumentLibraryForm</Display>
-  <Edit>DocumentLibraryForm</Edit>
-  <New>DocumentLibraryForm</New>
-</FormTemplates>
 </file>
 
 <file path=customXml/itemProps1.xml><?xml version="1.0" encoding="utf-8"?>
@@ -34958,6 +34992,14 @@
 </file>
 
 <file path=customXml/itemProps2.xml><?xml version="1.0" encoding="utf-8"?>
+<ds:datastoreItem xmlns:ds="http://schemas.openxmlformats.org/officeDocument/2006/customXml" ds:itemID="{1682ADD0-ED2B-4014-9CBE-B63DD7E9C700}">
+  <ds:schemaRefs>
+    <ds:schemaRef ds:uri="http://schemas.microsoft.com/sharepoint/v3/contenttype/forms"/>
+  </ds:schemaRefs>
+</ds:datastoreItem>
+</file>
+
+<file path=customXml/itemProps3.xml><?xml version="1.0" encoding="utf-8"?>
 <ds:datastoreItem xmlns:ds="http://schemas.openxmlformats.org/officeDocument/2006/customXml" ds:itemID="{9908E265-01E1-4131-9F88-F804B823C04C}">
   <ds:schemaRefs>
     <ds:schemaRef ds:uri="http://schemas.microsoft.com/office/2006/documentManagement/types"/>
@@ -34971,12 +35013,4 @@
     <ds:schemaRef ds:uri="http://purl.org/dc/terms/"/>
   </ds:schemaRefs>
 </ds:datastoreItem>
-</file>
-
-<file path=customXml/itemProps3.xml><?xml version="1.0" encoding="utf-8"?>
-<ds:datastoreItem xmlns:ds="http://schemas.openxmlformats.org/officeDocument/2006/customXml" ds:itemID="{1682ADD0-ED2B-4014-9CBE-B63DD7E9C700}">
-  <ds:schemaRefs>
-    <ds:schemaRef ds:uri="http://schemas.microsoft.com/sharepoint/v3/contenttype/forms"/>
-  </ds:schemaRefs>
-</ds:datastoreItem>
 </file>